--- a/glue/docs/AWS Glue Step Function Analytics.pptx
+++ b/glue/docs/AWS Glue Step Function Analytics.pptx
@@ -5,11 +5,12 @@
     <p:sldMasterId id="2147483660" r:id="rId1"/>
   </p:sldMasterIdLst>
   <p:notesMasterIdLst>
-    <p:notesMasterId r:id="rId4"/>
+    <p:notesMasterId r:id="rId5"/>
   </p:notesMasterIdLst>
   <p:sldIdLst>
-    <p:sldId id="257" r:id="rId2"/>
-    <p:sldId id="258" r:id="rId3"/>
+    <p:sldId id="259" r:id="rId2"/>
+    <p:sldId id="257" r:id="rId3"/>
+    <p:sldId id="258" r:id="rId4"/>
   </p:sldIdLst>
   <p:sldSz cx="14630400" cy="7315200"/>
   <p:notesSz cx="6985000" cy="9283700"/>
@@ -213,7 +214,7 @@
           <a:p>
             <a:fld id="{D69F860F-C1DA-4B2C-A018-C9636542972B}" type="datetimeFigureOut">
               <a:rPr lang="en-US" smtClean="0"/>
-              <a:t>9/11/2020</a:t>
+              <a:t>7/1/2021</a:t>
             </a:fld>
             <a:endParaRPr lang="en-US"/>
           </a:p>
@@ -611,7 +612,7 @@
           <a:p>
             <a:fld id="{D9D196EB-ECC0-46CE-A1E8-FA1E2D8DD0C7}" type="datetimeFigureOut">
               <a:rPr lang="en-US" smtClean="0"/>
-              <a:t>9/11/2020</a:t>
+              <a:t>7/1/2021</a:t>
             </a:fld>
             <a:endParaRPr lang="en-US"/>
           </a:p>
@@ -781,7 +782,7 @@
           <a:p>
             <a:fld id="{D9D196EB-ECC0-46CE-A1E8-FA1E2D8DD0C7}" type="datetimeFigureOut">
               <a:rPr lang="en-US" smtClean="0"/>
-              <a:t>9/11/2020</a:t>
+              <a:t>7/1/2021</a:t>
             </a:fld>
             <a:endParaRPr lang="en-US"/>
           </a:p>
@@ -961,7 +962,7 @@
           <a:p>
             <a:fld id="{D9D196EB-ECC0-46CE-A1E8-FA1E2D8DD0C7}" type="datetimeFigureOut">
               <a:rPr lang="en-US" smtClean="0"/>
-              <a:t>9/11/2020</a:t>
+              <a:t>7/1/2021</a:t>
             </a:fld>
             <a:endParaRPr lang="en-US"/>
           </a:p>
@@ -1131,7 +1132,7 @@
           <a:p>
             <a:fld id="{D9D196EB-ECC0-46CE-A1E8-FA1E2D8DD0C7}" type="datetimeFigureOut">
               <a:rPr lang="en-US" smtClean="0"/>
-              <a:t>9/11/2020</a:t>
+              <a:t>7/1/2021</a:t>
             </a:fld>
             <a:endParaRPr lang="en-US"/>
           </a:p>
@@ -1377,7 +1378,7 @@
           <a:p>
             <a:fld id="{D9D196EB-ECC0-46CE-A1E8-FA1E2D8DD0C7}" type="datetimeFigureOut">
               <a:rPr lang="en-US" smtClean="0"/>
-              <a:t>9/11/2020</a:t>
+              <a:t>7/1/2021</a:t>
             </a:fld>
             <a:endParaRPr lang="en-US"/>
           </a:p>
@@ -1609,7 +1610,7 @@
           <a:p>
             <a:fld id="{D9D196EB-ECC0-46CE-A1E8-FA1E2D8DD0C7}" type="datetimeFigureOut">
               <a:rPr lang="en-US" smtClean="0"/>
-              <a:t>9/11/2020</a:t>
+              <a:t>7/1/2021</a:t>
             </a:fld>
             <a:endParaRPr lang="en-US"/>
           </a:p>
@@ -1976,7 +1977,7 @@
           <a:p>
             <a:fld id="{D9D196EB-ECC0-46CE-A1E8-FA1E2D8DD0C7}" type="datetimeFigureOut">
               <a:rPr lang="en-US" smtClean="0"/>
-              <a:t>9/11/2020</a:t>
+              <a:t>7/1/2021</a:t>
             </a:fld>
             <a:endParaRPr lang="en-US"/>
           </a:p>
@@ -2094,7 +2095,7 @@
           <a:p>
             <a:fld id="{D9D196EB-ECC0-46CE-A1E8-FA1E2D8DD0C7}" type="datetimeFigureOut">
               <a:rPr lang="en-US" smtClean="0"/>
-              <a:t>9/11/2020</a:t>
+              <a:t>7/1/2021</a:t>
             </a:fld>
             <a:endParaRPr lang="en-US"/>
           </a:p>
@@ -2189,7 +2190,7 @@
           <a:p>
             <a:fld id="{D9D196EB-ECC0-46CE-A1E8-FA1E2D8DD0C7}" type="datetimeFigureOut">
               <a:rPr lang="en-US" smtClean="0"/>
-              <a:t>9/11/2020</a:t>
+              <a:t>7/1/2021</a:t>
             </a:fld>
             <a:endParaRPr lang="en-US"/>
           </a:p>
@@ -2466,7 +2467,7 @@
           <a:p>
             <a:fld id="{D9D196EB-ECC0-46CE-A1E8-FA1E2D8DD0C7}" type="datetimeFigureOut">
               <a:rPr lang="en-US" smtClean="0"/>
-              <a:t>9/11/2020</a:t>
+              <a:t>7/1/2021</a:t>
             </a:fld>
             <a:endParaRPr lang="en-US"/>
           </a:p>
@@ -2723,7 +2724,7 @@
           <a:p>
             <a:fld id="{D9D196EB-ECC0-46CE-A1E8-FA1E2D8DD0C7}" type="datetimeFigureOut">
               <a:rPr lang="en-US" smtClean="0"/>
-              <a:t>9/11/2020</a:t>
+              <a:t>7/1/2021</a:t>
             </a:fld>
             <a:endParaRPr lang="en-US"/>
           </a:p>
@@ -2936,7 +2937,7 @@
           <a:p>
             <a:fld id="{D9D196EB-ECC0-46CE-A1E8-FA1E2D8DD0C7}" type="datetimeFigureOut">
               <a:rPr lang="en-US" smtClean="0"/>
-              <a:t>9/11/2020</a:t>
+              <a:t>7/1/2021</a:t>
             </a:fld>
             <a:endParaRPr lang="en-US"/>
           </a:p>
@@ -3341,6 +3342,66 @@
           <a:chExt cx="0" cy="0"/>
         </a:xfrm>
       </p:grpSpPr>
+      <p:pic>
+        <p:nvPicPr>
+          <p:cNvPr id="3" name="Picture 2">
+            <a:extLst>
+              <a:ext uri="{FF2B5EF4-FFF2-40B4-BE49-F238E27FC236}">
+                <a16:creationId xmlns:a16="http://schemas.microsoft.com/office/drawing/2014/main" id="{A8059539-E7AA-4244-A546-CB2DBDA52B10}"/>
+              </a:ext>
+            </a:extLst>
+          </p:cNvPr>
+          <p:cNvPicPr>
+            <a:picLocks noChangeAspect="1"/>
+          </p:cNvPicPr>
+          <p:nvPr/>
+        </p:nvPicPr>
+        <p:blipFill>
+          <a:blip r:embed="rId2"/>
+          <a:stretch>
+            <a:fillRect/>
+          </a:stretch>
+        </p:blipFill>
+        <p:spPr>
+          <a:xfrm>
+            <a:off x="1081616" y="98830"/>
+            <a:ext cx="13000144" cy="7067940"/>
+          </a:xfrm>
+          <a:prstGeom prst="rect">
+            <a:avLst/>
+          </a:prstGeom>
+        </p:spPr>
+      </p:pic>
+    </p:spTree>
+    <p:extLst>
+      <p:ext uri="{BB962C8B-B14F-4D97-AF65-F5344CB8AC3E}">
+        <p14:creationId xmlns:p14="http://schemas.microsoft.com/office/powerpoint/2010/main" val="3642752399"/>
+      </p:ext>
+    </p:extLst>
+  </p:cSld>
+  <p:clrMapOvr>
+    <a:masterClrMapping/>
+  </p:clrMapOvr>
+</p:sld>
+</file>
+
+<file path=ppt/slides/slide2.xml><?xml version="1.0" encoding="utf-8"?>
+<p:sld xmlns:a="http://schemas.openxmlformats.org/drawingml/2006/main" xmlns:r="http://schemas.openxmlformats.org/officeDocument/2006/relationships" xmlns:p="http://schemas.openxmlformats.org/presentationml/2006/main">
+  <p:cSld>
+    <p:spTree>
+      <p:nvGrpSpPr>
+        <p:cNvPr id="1" name=""/>
+        <p:cNvGrpSpPr/>
+        <p:nvPr/>
+      </p:nvGrpSpPr>
+      <p:grpSpPr>
+        <a:xfrm>
+          <a:off x="0" y="0"/>
+          <a:ext cx="0" cy="0"/>
+          <a:chOff x="0" y="0"/>
+          <a:chExt cx="0" cy="0"/>
+        </a:xfrm>
+      </p:grpSpPr>
       <p:sp>
         <p:nvSpPr>
           <p:cNvPr id="4" name="Rectangle 3">
@@ -3422,8 +3483,8 @@
         </p:nvSpPr>
         <p:spPr>
           <a:xfrm>
-            <a:off x="1809751" y="101601"/>
-            <a:ext cx="12696492" cy="7132319"/>
+            <a:off x="1624599" y="101601"/>
+            <a:ext cx="12881644" cy="7132319"/>
           </a:xfrm>
           <a:prstGeom prst="rect">
             <a:avLst/>
@@ -3470,7 +3531,7 @@
                 <a:latin typeface="Verdana" panose="020B0604030504040204" pitchFamily="34" charset="0"/>
                 <a:ea typeface="Verdana" panose="020B0604030504040204" pitchFamily="34" charset="0"/>
               </a:rPr>
-              <a:t>AWS Analytics using Glue &amp; Step Functions</a:t>
+              <a:t>Data Analytics on AWS</a:t>
             </a:r>
           </a:p>
         </p:txBody>
@@ -3566,7 +3627,7 @@
         </p:blipFill>
         <p:spPr>
           <a:xfrm>
-            <a:off x="1601952" y="0"/>
+            <a:off x="1497177" y="-9525"/>
             <a:ext cx="466364" cy="314976"/>
           </a:xfrm>
           <a:prstGeom prst="rect">
@@ -3596,7 +3657,7 @@
         </p:blipFill>
         <p:spPr>
           <a:xfrm>
-            <a:off x="1567579" y="5638393"/>
+            <a:off x="1462804" y="5638393"/>
             <a:ext cx="466364" cy="314976"/>
           </a:xfrm>
           <a:prstGeom prst="rect">
@@ -4226,7 +4287,7 @@
         </p:nvGrpSpPr>
         <p:grpSpPr>
           <a:xfrm>
-            <a:off x="2063552" y="1490000"/>
+            <a:off x="4083418" y="2657058"/>
             <a:ext cx="736677" cy="1044251"/>
             <a:chOff x="7789867" y="5747094"/>
             <a:chExt cx="736677" cy="1044250"/>
@@ -4320,8 +4381,8 @@
         </p:nvSpPr>
         <p:spPr>
           <a:xfrm>
-            <a:off x="3124149" y="619760"/>
-            <a:ext cx="11197364" cy="4653280"/>
+            <a:off x="1703942" y="466204"/>
+            <a:ext cx="12617571" cy="4806836"/>
           </a:xfrm>
           <a:prstGeom prst="rect">
             <a:avLst/>
@@ -4384,10 +4445,10 @@
         </p:nvGrpSpPr>
         <p:grpSpPr>
           <a:xfrm>
-            <a:off x="3182994" y="1221421"/>
-            <a:ext cx="1411220" cy="1019965"/>
-            <a:chOff x="6501748" y="3771078"/>
-            <a:chExt cx="1835889" cy="1383316"/>
+            <a:off x="4041212" y="1221421"/>
+            <a:ext cx="856838" cy="1019965"/>
+            <a:chOff x="6862352" y="3771078"/>
+            <a:chExt cx="1114680" cy="1383316"/>
           </a:xfrm>
         </p:grpSpPr>
         <p:pic>
@@ -4434,8 +4495,8 @@
           </p:nvSpPr>
           <p:spPr>
             <a:xfrm>
-              <a:off x="6501748" y="4528266"/>
-              <a:ext cx="1835889" cy="626128"/>
+              <a:off x="6862352" y="4528266"/>
+              <a:ext cx="1114680" cy="626128"/>
             </a:xfrm>
             <a:prstGeom prst="rect">
               <a:avLst/>
@@ -4451,14 +4512,14 @@
               <a:pPr algn="ctr"/>
               <a:r>
                 <a:rPr lang="en-US" sz="1200" dirty="0"/>
-                <a:t>AWS Lambda</a:t>
+                <a:t>Initialize </a:t>
               </a:r>
             </a:p>
             <a:p>
               <a:pPr algn="ctr"/>
               <a:r>
                 <a:rPr lang="en-US" sz="1200" dirty="0"/>
-                <a:t>Initialize Job Details</a:t>
+                <a:t>Job Details</a:t>
               </a:r>
             </a:p>
           </p:txBody>
@@ -4492,7 +4553,7 @@
         </p:blipFill>
         <p:spPr>
           <a:xfrm>
-            <a:off x="3133696" y="626745"/>
+            <a:off x="1711789" y="474676"/>
             <a:ext cx="387940" cy="387940"/>
           </a:xfrm>
           <a:prstGeom prst="rect">
@@ -4607,10 +4668,10 @@
         </p:nvGrpSpPr>
         <p:grpSpPr>
           <a:xfrm>
-            <a:off x="4631595" y="1221421"/>
-            <a:ext cx="1490344" cy="1019965"/>
-            <a:chOff x="6450282" y="3771078"/>
-            <a:chExt cx="1938823" cy="1383316"/>
+            <a:off x="5274845" y="1221421"/>
+            <a:ext cx="946798" cy="1019965"/>
+            <a:chOff x="6803838" y="3771078"/>
+            <a:chExt cx="1231711" cy="1383316"/>
           </a:xfrm>
         </p:grpSpPr>
         <p:pic>
@@ -4657,8 +4718,8 @@
           </p:nvSpPr>
           <p:spPr>
             <a:xfrm>
-              <a:off x="6450282" y="4528266"/>
-              <a:ext cx="1938823" cy="626128"/>
+              <a:off x="6803838" y="4528266"/>
+              <a:ext cx="1231711" cy="626128"/>
             </a:xfrm>
             <a:prstGeom prst="rect">
               <a:avLst/>
@@ -4674,14 +4735,14 @@
               <a:pPr algn="ctr"/>
               <a:r>
                 <a:rPr lang="en-US" sz="1200" dirty="0"/>
-                <a:t>AWS Lambda</a:t>
+                <a:t>Perform </a:t>
               </a:r>
             </a:p>
             <a:p>
               <a:pPr algn="ctr"/>
               <a:r>
                 <a:rPr lang="en-US" sz="1200" dirty="0"/>
-                <a:t>Perform CSV to JSON</a:t>
+                <a:t>CSV to JSON</a:t>
               </a:r>
             </a:p>
           </p:txBody>
@@ -4701,10 +4762,10 @@
         </p:nvGrpSpPr>
         <p:grpSpPr>
           <a:xfrm>
-            <a:off x="4693716" y="2675992"/>
-            <a:ext cx="1433149" cy="1019965"/>
-            <a:chOff x="6487488" y="3771078"/>
-            <a:chExt cx="1864417" cy="1383316"/>
+            <a:off x="5296282" y="2675992"/>
+            <a:ext cx="990015" cy="1019965"/>
+            <a:chOff x="6775730" y="3771078"/>
+            <a:chExt cx="1287934" cy="1383316"/>
           </a:xfrm>
         </p:grpSpPr>
         <p:pic>
@@ -4751,8 +4812,8 @@
           </p:nvSpPr>
           <p:spPr>
             <a:xfrm>
-              <a:off x="6487488" y="4528266"/>
-              <a:ext cx="1864417" cy="626128"/>
+              <a:off x="6775730" y="4528266"/>
+              <a:ext cx="1287934" cy="626128"/>
             </a:xfrm>
             <a:prstGeom prst="rect">
               <a:avLst/>
@@ -4768,14 +4829,14 @@
               <a:pPr algn="ctr"/>
               <a:r>
                 <a:rPr lang="en-US" sz="1200" dirty="0"/>
-                <a:t>AWS Lambda</a:t>
+                <a:t>Invoke </a:t>
               </a:r>
             </a:p>
             <a:p>
               <a:pPr algn="ctr"/>
               <a:r>
                 <a:rPr lang="en-US" sz="1200" dirty="0"/>
-                <a:t>Invoke Glue Crawler</a:t>
+                <a:t>Glue Crawler</a:t>
               </a:r>
             </a:p>
           </p:txBody>
@@ -4795,7 +4856,7 @@
         </p:nvGrpSpPr>
         <p:grpSpPr>
           <a:xfrm>
-            <a:off x="4621577" y="4214532"/>
+            <a:off x="5002577" y="4214532"/>
             <a:ext cx="1647054" cy="1019965"/>
             <a:chOff x="6348355" y="3771078"/>
             <a:chExt cx="2142693" cy="1383316"/>
@@ -5177,7 +5238,7 @@
         </p:nvGrpSpPr>
         <p:grpSpPr>
           <a:xfrm>
-            <a:off x="7676667" y="1698823"/>
+            <a:off x="7676667" y="1613098"/>
             <a:ext cx="1853392" cy="1004926"/>
             <a:chOff x="8972244" y="1138394"/>
             <a:chExt cx="1853392" cy="1004926"/>
@@ -5636,168 +5697,110 @@
           </p:txBody>
         </p:sp>
       </p:grpSp>
-      <p:pic>
-        <p:nvPicPr>
-          <p:cNvPr id="223" name="Graphic 222">
+      <p:grpSp>
+        <p:nvGrpSpPr>
+          <p:cNvPr id="9" name="Group 8">
             <a:extLst>
               <a:ext uri="{FF2B5EF4-FFF2-40B4-BE49-F238E27FC236}">
-                <a16:creationId xmlns:a16="http://schemas.microsoft.com/office/drawing/2014/main" id="{8DBF6AA1-F8CE-468D-83B7-AC694240F750}"/>
+                <a16:creationId xmlns:a16="http://schemas.microsoft.com/office/drawing/2014/main" id="{94D1E92C-EC2E-4A55-B923-BEF0E604F335}"/>
               </a:ext>
             </a:extLst>
           </p:cNvPr>
-          <p:cNvPicPr>
-            <a:picLocks noChangeAspect="1"/>
-          </p:cNvPicPr>
+          <p:cNvGrpSpPr/>
           <p:nvPr/>
-        </p:nvPicPr>
-        <p:blipFill>
-          <a:blip r:embed="rId22">
+        </p:nvGrpSpPr>
+        <p:grpSpPr>
+          <a:xfrm>
+            <a:off x="309621" y="2516233"/>
+            <a:ext cx="839481" cy="1151527"/>
+            <a:chOff x="309621" y="2516233"/>
+            <a:chExt cx="839481" cy="1151527"/>
+          </a:xfrm>
+        </p:grpSpPr>
+        <p:pic>
+          <p:nvPicPr>
+            <p:cNvPr id="1026" name="Picture 2" descr="Backlog - Free files and folders icons">
+              <a:extLst>
+                <a:ext uri="{FF2B5EF4-FFF2-40B4-BE49-F238E27FC236}">
+                  <a16:creationId xmlns:a16="http://schemas.microsoft.com/office/drawing/2014/main" id="{161BD597-6CF5-40EB-A7D4-E77DE16EEF32}"/>
+                </a:ext>
+              </a:extLst>
+            </p:cNvPr>
+            <p:cNvPicPr>
+              <a:picLocks noChangeAspect="1" noChangeArrowheads="1"/>
+            </p:cNvPicPr>
+            <p:nvPr/>
+          </p:nvPicPr>
+          <p:blipFill>
+            <a:blip r:embed="rId22">
+              <a:extLst>
+                <a:ext uri="{28A0092B-C50C-407E-A947-70E740481C1C}">
+                  <a14:useLocalDpi xmlns:a14="http://schemas.microsoft.com/office/drawing/2010/main" val="0"/>
+                </a:ext>
+              </a:extLst>
+            </a:blip>
+            <a:srcRect/>
+            <a:stretch>
+              <a:fillRect/>
+            </a:stretch>
+          </p:blipFill>
+          <p:spPr bwMode="auto">
+            <a:xfrm>
+              <a:off x="317511" y="2516233"/>
+              <a:ext cx="831591" cy="831591"/>
+            </a:xfrm>
+            <a:prstGeom prst="rect">
+              <a:avLst/>
+            </a:prstGeom>
+            <a:noFill/>
             <a:extLst>
-              <a:ext uri="{96DAC541-7B7A-43D3-8B79-37D633B846F1}">
-                <asvg:svgBlip xmlns:asvg="http://schemas.microsoft.com/office/drawing/2016/SVG/main" r:embed="rId23"/>
+              <a:ext uri="{909E8E84-426E-40DD-AFC4-6F175D3DCCD1}">
+                <a14:hiddenFill xmlns:a14="http://schemas.microsoft.com/office/drawing/2010/main">
+                  <a:solidFill>
+                    <a:srgbClr val="FFFFFF"/>
+                  </a:solidFill>
+                </a14:hiddenFill>
               </a:ext>
             </a:extLst>
-          </a:blip>
-          <a:stretch>
-            <a:fillRect/>
-          </a:stretch>
-        </p:blipFill>
-        <p:spPr>
-          <a:xfrm>
-            <a:off x="2114273" y="2990248"/>
-            <a:ext cx="582332" cy="582332"/>
-          </a:xfrm>
-          <a:prstGeom prst="rect">
-            <a:avLst/>
-          </a:prstGeom>
-        </p:spPr>
-      </p:pic>
-      <p:sp>
-        <p:nvSpPr>
-          <p:cNvPr id="224" name="TextBox 223">
-            <a:extLst>
-              <a:ext uri="{FF2B5EF4-FFF2-40B4-BE49-F238E27FC236}">
-                <a16:creationId xmlns:a16="http://schemas.microsoft.com/office/drawing/2014/main" id="{8C651688-16C2-4434-BBF8-7762A84C77D5}"/>
-              </a:ext>
-            </a:extLst>
-          </p:cNvPr>
-          <p:cNvSpPr txBox="1"/>
-          <p:nvPr/>
-        </p:nvSpPr>
-        <p:spPr>
-          <a:xfrm>
-            <a:off x="1917274" y="3598335"/>
-            <a:ext cx="1011111" cy="461665"/>
-          </a:xfrm>
-          <a:prstGeom prst="rect">
-            <a:avLst/>
-          </a:prstGeom>
-          <a:noFill/>
-        </p:spPr>
-        <p:txBody>
-          <a:bodyPr wrap="none" rtlCol="0">
-            <a:spAutoFit/>
-          </a:bodyPr>
-          <a:lstStyle/>
-          <a:p>
-            <a:pPr algn="ctr"/>
-            <a:r>
-              <a:rPr lang="en-US" sz="1200" dirty="0"/>
-              <a:t>AWS Transfer</a:t>
-            </a:r>
-          </a:p>
-          <a:p>
-            <a:pPr algn="ctr"/>
-            <a:r>
-              <a:rPr lang="en-US" sz="1200" dirty="0"/>
-              <a:t>FTP/SFTP</a:t>
-            </a:r>
-          </a:p>
-        </p:txBody>
-      </p:sp>
-      <p:pic>
-        <p:nvPicPr>
-          <p:cNvPr id="1026" name="Picture 2" descr="Backlog - Free files and folders icons">
-            <a:extLst>
-              <a:ext uri="{FF2B5EF4-FFF2-40B4-BE49-F238E27FC236}">
-                <a16:creationId xmlns:a16="http://schemas.microsoft.com/office/drawing/2014/main" id="{161BD597-6CF5-40EB-A7D4-E77DE16EEF32}"/>
-              </a:ext>
-            </a:extLst>
-          </p:cNvPr>
-          <p:cNvPicPr>
-            <a:picLocks noChangeAspect="1" noChangeArrowheads="1"/>
-          </p:cNvPicPr>
-          <p:nvPr/>
-        </p:nvPicPr>
-        <p:blipFill>
-          <a:blip r:embed="rId24">
-            <a:extLst>
-              <a:ext uri="{28A0092B-C50C-407E-A947-70E740481C1C}">
-                <a14:useLocalDpi xmlns:a14="http://schemas.microsoft.com/office/drawing/2010/main" val="0"/>
-              </a:ext>
-            </a:extLst>
-          </a:blip>
-          <a:srcRect/>
-          <a:stretch>
-            <a:fillRect/>
-          </a:stretch>
-        </p:blipFill>
-        <p:spPr bwMode="auto">
-          <a:xfrm>
-            <a:off x="260347" y="3034548"/>
-            <a:ext cx="831591" cy="831591"/>
-          </a:xfrm>
-          <a:prstGeom prst="rect">
-            <a:avLst/>
-          </a:prstGeom>
-          <a:noFill/>
-          <a:extLst>
-            <a:ext uri="{909E8E84-426E-40DD-AFC4-6F175D3DCCD1}">
-              <a14:hiddenFill xmlns:a14="http://schemas.microsoft.com/office/drawing/2010/main">
-                <a:solidFill>
-                  <a:srgbClr val="FFFFFF"/>
-                </a:solidFill>
-              </a14:hiddenFill>
-            </a:ext>
-          </a:extLst>
-        </p:spPr>
-      </p:pic>
-      <p:sp>
-        <p:nvSpPr>
-          <p:cNvPr id="225" name="TextBox 224">
-            <a:extLst>
-              <a:ext uri="{FF2B5EF4-FFF2-40B4-BE49-F238E27FC236}">
-                <a16:creationId xmlns:a16="http://schemas.microsoft.com/office/drawing/2014/main" id="{C4378FAB-818E-46A8-B167-D1A3CA386CC7}"/>
-              </a:ext>
-            </a:extLst>
-          </p:cNvPr>
-          <p:cNvSpPr txBox="1"/>
-          <p:nvPr/>
-        </p:nvSpPr>
-        <p:spPr>
-          <a:xfrm>
-            <a:off x="339615" y="3967376"/>
-            <a:ext cx="736677" cy="276999"/>
-          </a:xfrm>
-          <a:prstGeom prst="rect">
-            <a:avLst/>
-          </a:prstGeom>
-          <a:noFill/>
-        </p:spPr>
-        <p:txBody>
-          <a:bodyPr wrap="none" rtlCol="0">
-            <a:spAutoFit/>
-          </a:bodyPr>
-          <a:lstStyle/>
-          <a:p>
-            <a:pPr algn="ctr"/>
-            <a:r>
-              <a:rPr lang="en-US" sz="1200" dirty="0"/>
-              <a:t>CSV Files</a:t>
-            </a:r>
-          </a:p>
-        </p:txBody>
-      </p:sp>
+          </p:spPr>
+        </p:pic>
+        <p:sp>
+          <p:nvSpPr>
+            <p:cNvPr id="225" name="TextBox 224">
+              <a:extLst>
+                <a:ext uri="{FF2B5EF4-FFF2-40B4-BE49-F238E27FC236}">
+                  <a16:creationId xmlns:a16="http://schemas.microsoft.com/office/drawing/2014/main" id="{C4378FAB-818E-46A8-B167-D1A3CA386CC7}"/>
+                </a:ext>
+              </a:extLst>
+            </p:cNvPr>
+            <p:cNvSpPr txBox="1"/>
+            <p:nvPr/>
+          </p:nvSpPr>
+          <p:spPr>
+            <a:xfrm>
+              <a:off x="309621" y="3390761"/>
+              <a:ext cx="736677" cy="276999"/>
+            </a:xfrm>
+            <a:prstGeom prst="rect">
+              <a:avLst/>
+            </a:prstGeom>
+            <a:noFill/>
+          </p:spPr>
+          <p:txBody>
+            <a:bodyPr wrap="none" rtlCol="0">
+              <a:spAutoFit/>
+            </a:bodyPr>
+            <a:lstStyle/>
+            <a:p>
+              <a:pPr algn="ctr"/>
+              <a:r>
+                <a:rPr lang="en-US" sz="1200" dirty="0"/>
+                <a:t>CSV Files</a:t>
+              </a:r>
+            </a:p>
+          </p:txBody>
+        </p:sp>
+      </p:grpSp>
       <p:sp>
         <p:nvSpPr>
           <p:cNvPr id="6" name="Rectangle 5">
@@ -5871,7 +5874,7 @@
         </p:nvGrpSpPr>
         <p:grpSpPr>
           <a:xfrm>
-            <a:off x="6574197" y="1005977"/>
+            <a:off x="6601148" y="1123566"/>
             <a:ext cx="821059" cy="1049354"/>
             <a:chOff x="7747034" y="5747094"/>
             <a:chExt cx="821059" cy="1049353"/>
@@ -6200,48 +6203,6 @@
       </p:grpSp>
       <p:cxnSp>
         <p:nvCxnSpPr>
-          <p:cNvPr id="15" name="Straight Arrow Connector 14">
-            <a:extLst>
-              <a:ext uri="{FF2B5EF4-FFF2-40B4-BE49-F238E27FC236}">
-                <a16:creationId xmlns:a16="http://schemas.microsoft.com/office/drawing/2014/main" id="{1AB8FF38-EF99-4DBD-8689-BCC1F11885E2}"/>
-              </a:ext>
-            </a:extLst>
-          </p:cNvPr>
-          <p:cNvCxnSpPr>
-            <a:stCxn id="130" idx="3"/>
-          </p:cNvCxnSpPr>
-          <p:nvPr/>
-        </p:nvCxnSpPr>
-        <p:spPr>
-          <a:xfrm flipV="1">
-            <a:off x="2732621" y="1779721"/>
-            <a:ext cx="392815" cy="1572"/>
-          </a:xfrm>
-          <a:prstGeom prst="straightConnector1">
-            <a:avLst/>
-          </a:prstGeom>
-          <a:ln w="22225">
-            <a:headEnd type="none" w="lg" len="lg"/>
-            <a:tailEnd type="triangle" w="lg" len="lg"/>
-          </a:ln>
-        </p:spPr>
-        <p:style>
-          <a:lnRef idx="3">
-            <a:schemeClr val="accent2"/>
-          </a:lnRef>
-          <a:fillRef idx="0">
-            <a:schemeClr val="accent2"/>
-          </a:fillRef>
-          <a:effectRef idx="2">
-            <a:schemeClr val="accent2"/>
-          </a:effectRef>
-          <a:fontRef idx="minor">
-            <a:schemeClr val="tx1"/>
-          </a:fontRef>
-        </p:style>
-      </p:cxnSp>
-      <p:cxnSp>
-        <p:nvCxnSpPr>
           <p:cNvPr id="17" name="Straight Arrow Connector 16">
             <a:extLst>
               <a:ext uri="{FF2B5EF4-FFF2-40B4-BE49-F238E27FC236}">
@@ -6257,8 +6218,8 @@
         </p:nvCxnSpPr>
         <p:spPr>
           <a:xfrm>
-            <a:off x="4139916" y="1493140"/>
-            <a:ext cx="920332" cy="0"/>
+            <a:off x="4720944" y="1493140"/>
+            <a:ext cx="710780" cy="0"/>
           </a:xfrm>
           <a:prstGeom prst="straightConnector1">
             <a:avLst/>
@@ -6299,7 +6260,7 @@
         </p:nvCxnSpPr>
         <p:spPr>
           <a:xfrm flipV="1">
-            <a:off x="5628079" y="1493139"/>
+            <a:off x="5999554" y="1493139"/>
             <a:ext cx="735549" cy="1"/>
           </a:xfrm>
           <a:prstGeom prst="straightConnector1">
@@ -6342,8 +6303,8 @@
         </p:nvCxnSpPr>
         <p:spPr>
           <a:xfrm>
-            <a:off x="5376767" y="2241386"/>
-            <a:ext cx="918" cy="434606"/>
+            <a:off x="5748244" y="2241386"/>
+            <a:ext cx="10438" cy="434606"/>
           </a:xfrm>
           <a:prstGeom prst="straightConnector1">
             <a:avLst/>
@@ -6385,8 +6346,8 @@
         </p:nvCxnSpPr>
         <p:spPr>
           <a:xfrm>
-            <a:off x="5410291" y="3695957"/>
-            <a:ext cx="2203" cy="518575"/>
+            <a:off x="5791290" y="3695957"/>
+            <a:ext cx="2204" cy="518575"/>
           </a:xfrm>
           <a:prstGeom prst="straightConnector1">
             <a:avLst/>
@@ -6428,8 +6389,8 @@
         </p:nvCxnSpPr>
         <p:spPr>
           <a:xfrm flipV="1">
-            <a:off x="5696409" y="4485367"/>
-            <a:ext cx="2626117" cy="884"/>
+            <a:off x="6077409" y="4485367"/>
+            <a:ext cx="2245117" cy="884"/>
           </a:xfrm>
           <a:prstGeom prst="straightConnector1">
             <a:avLst/>
@@ -6600,8 +6561,8 @@
         </p:nvCxnSpPr>
         <p:spPr>
           <a:xfrm rot="10800000" flipV="1">
-            <a:off x="8532268" y="1080003"/>
-            <a:ext cx="1495755" cy="618820"/>
+            <a:off x="8532268" y="1080002"/>
+            <a:ext cx="1495755" cy="533095"/>
           </a:xfrm>
           <a:prstGeom prst="bentConnector2">
             <a:avLst/>
@@ -6643,8 +6604,8 @@
         </p:nvCxnSpPr>
         <p:spPr>
           <a:xfrm flipH="1">
-            <a:off x="8601054" y="2703749"/>
-            <a:ext cx="2309" cy="1503090"/>
+            <a:off x="8601054" y="2618024"/>
+            <a:ext cx="2309" cy="1588815"/>
           </a:xfrm>
           <a:prstGeom prst="straightConnector1">
             <a:avLst/>
@@ -6914,7 +6875,7 @@
             <p:nvPr/>
           </p:nvPicPr>
           <p:blipFill>
-            <a:blip r:embed="rId25"/>
+            <a:blip r:embed="rId23"/>
             <a:stretch>
               <a:fillRect/>
             </a:stretch>
@@ -6966,6 +6927,1158 @@
           </p:txBody>
         </p:sp>
       </p:grpSp>
+      <p:sp>
+        <p:nvSpPr>
+          <p:cNvPr id="7" name="TextBox 6">
+            <a:extLst>
+              <a:ext uri="{FF2B5EF4-FFF2-40B4-BE49-F238E27FC236}">
+                <a16:creationId xmlns:a16="http://schemas.microsoft.com/office/drawing/2014/main" id="{B0B76DBA-C8E9-44A2-8514-78FFC133BACD}"/>
+              </a:ext>
+            </a:extLst>
+          </p:cNvPr>
+          <p:cNvSpPr txBox="1"/>
+          <p:nvPr/>
+        </p:nvSpPr>
+        <p:spPr>
+          <a:xfrm>
+            <a:off x="6571013" y="786189"/>
+            <a:ext cx="876907" cy="307777"/>
+          </a:xfrm>
+          <a:prstGeom prst="rect">
+            <a:avLst/>
+          </a:prstGeom>
+          <a:noFill/>
+        </p:spPr>
+        <p:txBody>
+          <a:bodyPr wrap="none" rtlCol="0">
+            <a:spAutoFit/>
+          </a:bodyPr>
+          <a:lstStyle/>
+          <a:p>
+            <a:r>
+              <a:rPr lang="en-US" sz="1400" dirty="0"/>
+              <a:t>Raw Data</a:t>
+            </a:r>
+          </a:p>
+        </p:txBody>
+      </p:sp>
+      <p:pic>
+        <p:nvPicPr>
+          <p:cNvPr id="8" name="Picture 7">
+            <a:extLst>
+              <a:ext uri="{FF2B5EF4-FFF2-40B4-BE49-F238E27FC236}">
+                <a16:creationId xmlns:a16="http://schemas.microsoft.com/office/drawing/2014/main" id="{0A350774-CF31-412C-A25D-FFB73B10122F}"/>
+              </a:ext>
+            </a:extLst>
+          </p:cNvPr>
+          <p:cNvPicPr>
+            <a:picLocks noChangeAspect="1"/>
+          </p:cNvPicPr>
+          <p:nvPr/>
+        </p:nvPicPr>
+        <p:blipFill>
+          <a:blip r:embed="rId24"/>
+          <a:stretch>
+            <a:fillRect/>
+          </a:stretch>
+        </p:blipFill>
+        <p:spPr>
+          <a:xfrm>
+            <a:off x="129472" y="724066"/>
+            <a:ext cx="1245750" cy="1187808"/>
+          </a:xfrm>
+          <a:prstGeom prst="rect">
+            <a:avLst/>
+          </a:prstGeom>
+        </p:spPr>
+      </p:pic>
+      <p:pic>
+        <p:nvPicPr>
+          <p:cNvPr id="11" name="Picture 10">
+            <a:extLst>
+              <a:ext uri="{FF2B5EF4-FFF2-40B4-BE49-F238E27FC236}">
+                <a16:creationId xmlns:a16="http://schemas.microsoft.com/office/drawing/2014/main" id="{E73CDF49-5FAF-45BD-A628-EEF6384E5382}"/>
+              </a:ext>
+            </a:extLst>
+          </p:cNvPr>
+          <p:cNvPicPr>
+            <a:picLocks noChangeAspect="1"/>
+          </p:cNvPicPr>
+          <p:nvPr/>
+        </p:nvPicPr>
+        <p:blipFill>
+          <a:blip r:embed="rId25"/>
+          <a:stretch>
+            <a:fillRect/>
+          </a:stretch>
+        </p:blipFill>
+        <p:spPr>
+          <a:xfrm>
+            <a:off x="131654" y="4060000"/>
+            <a:ext cx="1263030" cy="981767"/>
+          </a:xfrm>
+          <a:prstGeom prst="rect">
+            <a:avLst/>
+          </a:prstGeom>
+        </p:spPr>
+      </p:pic>
+      <p:pic>
+        <p:nvPicPr>
+          <p:cNvPr id="12" name="Picture 11">
+            <a:extLst>
+              <a:ext uri="{FF2B5EF4-FFF2-40B4-BE49-F238E27FC236}">
+                <a16:creationId xmlns:a16="http://schemas.microsoft.com/office/drawing/2014/main" id="{382C81DC-4981-4819-ADC0-6C7AA54907AF}"/>
+              </a:ext>
+            </a:extLst>
+          </p:cNvPr>
+          <p:cNvPicPr>
+            <a:picLocks noChangeAspect="1"/>
+          </p:cNvPicPr>
+          <p:nvPr/>
+        </p:nvPicPr>
+        <p:blipFill>
+          <a:blip r:embed="rId26"/>
+          <a:stretch>
+            <a:fillRect/>
+          </a:stretch>
+        </p:blipFill>
+        <p:spPr>
+          <a:xfrm>
+            <a:off x="153026" y="5812915"/>
+            <a:ext cx="1132226" cy="855603"/>
+          </a:xfrm>
+          <a:prstGeom prst="rect">
+            <a:avLst/>
+          </a:prstGeom>
+        </p:spPr>
+      </p:pic>
+      <p:grpSp>
+        <p:nvGrpSpPr>
+          <p:cNvPr id="123" name="Group 122">
+            <a:extLst>
+              <a:ext uri="{FF2B5EF4-FFF2-40B4-BE49-F238E27FC236}">
+                <a16:creationId xmlns:a16="http://schemas.microsoft.com/office/drawing/2014/main" id="{E9506BFC-13AC-4823-828D-DADCF38A0858}"/>
+              </a:ext>
+            </a:extLst>
+          </p:cNvPr>
+          <p:cNvGrpSpPr/>
+          <p:nvPr/>
+        </p:nvGrpSpPr>
+        <p:grpSpPr>
+          <a:xfrm>
+            <a:off x="1684931" y="1230634"/>
+            <a:ext cx="1222387" cy="1019965"/>
+            <a:chOff x="6624580" y="3771078"/>
+            <a:chExt cx="1590229" cy="1383316"/>
+          </a:xfrm>
+        </p:grpSpPr>
+        <p:pic>
+          <p:nvPicPr>
+            <p:cNvPr id="139" name="Picture 138">
+              <a:extLst>
+                <a:ext uri="{FF2B5EF4-FFF2-40B4-BE49-F238E27FC236}">
+                  <a16:creationId xmlns:a16="http://schemas.microsoft.com/office/drawing/2014/main" id="{26CAB556-D1F0-4860-B9CA-DDEA2E635ACE}"/>
+                </a:ext>
+              </a:extLst>
+            </p:cNvPr>
+            <p:cNvPicPr>
+              <a:picLocks noChangeAspect="1"/>
+            </p:cNvPicPr>
+            <p:nvPr/>
+          </p:nvPicPr>
+          <p:blipFill>
+            <a:blip r:embed="rId11"/>
+            <a:stretch>
+              <a:fillRect/>
+            </a:stretch>
+          </p:blipFill>
+          <p:spPr>
+            <a:xfrm>
+              <a:off x="7007926" y="3771078"/>
+              <a:ext cx="738704" cy="737030"/>
+            </a:xfrm>
+            <a:prstGeom prst="rect">
+              <a:avLst/>
+            </a:prstGeom>
+          </p:spPr>
+        </p:pic>
+        <p:sp>
+          <p:nvSpPr>
+            <p:cNvPr id="140" name="TextBox 139">
+              <a:extLst>
+                <a:ext uri="{FF2B5EF4-FFF2-40B4-BE49-F238E27FC236}">
+                  <a16:creationId xmlns:a16="http://schemas.microsoft.com/office/drawing/2014/main" id="{E2552679-CE3E-41FC-B249-CC8966C21601}"/>
+                </a:ext>
+              </a:extLst>
+            </p:cNvPr>
+            <p:cNvSpPr txBox="1"/>
+            <p:nvPr/>
+          </p:nvSpPr>
+          <p:spPr>
+            <a:xfrm>
+              <a:off x="6624580" y="4528266"/>
+              <a:ext cx="1590229" cy="626128"/>
+            </a:xfrm>
+            <a:prstGeom prst="rect">
+              <a:avLst/>
+            </a:prstGeom>
+            <a:noFill/>
+          </p:spPr>
+          <p:txBody>
+            <a:bodyPr wrap="none" rtlCol="0">
+              <a:spAutoFit/>
+            </a:bodyPr>
+            <a:lstStyle/>
+            <a:p>
+              <a:pPr algn="ctr"/>
+              <a:r>
+                <a:rPr lang="en-US" sz="1200" dirty="0"/>
+                <a:t>Download Files</a:t>
+              </a:r>
+            </a:p>
+            <a:p>
+              <a:pPr algn="ctr"/>
+              <a:r>
+                <a:rPr lang="en-US" sz="1200" dirty="0"/>
+                <a:t>From SharePoint</a:t>
+              </a:r>
+            </a:p>
+          </p:txBody>
+        </p:sp>
+      </p:grpSp>
+      <p:grpSp>
+        <p:nvGrpSpPr>
+          <p:cNvPr id="13" name="Group 12">
+            <a:extLst>
+              <a:ext uri="{FF2B5EF4-FFF2-40B4-BE49-F238E27FC236}">
+                <a16:creationId xmlns:a16="http://schemas.microsoft.com/office/drawing/2014/main" id="{6AFB7D41-30DC-442C-9BDB-A6A6A333EEEB}"/>
+              </a:ext>
+            </a:extLst>
+          </p:cNvPr>
+          <p:cNvGrpSpPr/>
+          <p:nvPr/>
+        </p:nvGrpSpPr>
+        <p:grpSpPr>
+          <a:xfrm>
+            <a:off x="1745613" y="4233262"/>
+            <a:ext cx="1078180" cy="1028292"/>
+            <a:chOff x="1966180" y="4204372"/>
+            <a:chExt cx="1078180" cy="1028292"/>
+          </a:xfrm>
+        </p:grpSpPr>
+        <p:pic>
+          <p:nvPicPr>
+            <p:cNvPr id="118" name="Graphic 117">
+              <a:extLst>
+                <a:ext uri="{FF2B5EF4-FFF2-40B4-BE49-F238E27FC236}">
+                  <a16:creationId xmlns:a16="http://schemas.microsoft.com/office/drawing/2014/main" id="{172F52F4-AC7A-4900-B892-F2895F2D2ECA}"/>
+                </a:ext>
+              </a:extLst>
+            </p:cNvPr>
+            <p:cNvPicPr>
+              <a:picLocks noChangeAspect="1"/>
+            </p:cNvPicPr>
+            <p:nvPr/>
+          </p:nvPicPr>
+          <p:blipFill>
+            <a:blip r:embed="rId27">
+              <a:extLst>
+                <a:ext uri="{96DAC541-7B7A-43D3-8B79-37D633B846F1}">
+                  <asvg:svgBlip xmlns:asvg="http://schemas.microsoft.com/office/drawing/2016/SVG/main" r:embed="rId28"/>
+                </a:ext>
+              </a:extLst>
+            </a:blip>
+            <a:stretch>
+              <a:fillRect/>
+            </a:stretch>
+          </p:blipFill>
+          <p:spPr>
+            <a:xfrm>
+              <a:off x="2233791" y="4204372"/>
+              <a:ext cx="567830" cy="567830"/>
+            </a:xfrm>
+            <a:prstGeom prst="rect">
+              <a:avLst/>
+            </a:prstGeom>
+          </p:spPr>
+        </p:pic>
+        <p:sp>
+          <p:nvSpPr>
+            <p:cNvPr id="141" name="TextBox 140">
+              <a:extLst>
+                <a:ext uri="{FF2B5EF4-FFF2-40B4-BE49-F238E27FC236}">
+                  <a16:creationId xmlns:a16="http://schemas.microsoft.com/office/drawing/2014/main" id="{1B9BFEB3-88B9-4CE5-A484-646323A0511C}"/>
+                </a:ext>
+              </a:extLst>
+            </p:cNvPr>
+            <p:cNvSpPr txBox="1"/>
+            <p:nvPr/>
+          </p:nvSpPr>
+          <p:spPr>
+            <a:xfrm>
+              <a:off x="1966180" y="4770999"/>
+              <a:ext cx="1078180" cy="461665"/>
+            </a:xfrm>
+            <a:prstGeom prst="rect">
+              <a:avLst/>
+            </a:prstGeom>
+            <a:noFill/>
+          </p:spPr>
+          <p:txBody>
+            <a:bodyPr wrap="none" rtlCol="0">
+              <a:spAutoFit/>
+            </a:bodyPr>
+            <a:lstStyle/>
+            <a:p>
+              <a:pPr algn="ctr"/>
+              <a:r>
+                <a:rPr lang="en-US" sz="1200" dirty="0"/>
+                <a:t>Pull Data from</a:t>
+              </a:r>
+            </a:p>
+            <a:p>
+              <a:pPr algn="ctr"/>
+              <a:r>
+                <a:rPr lang="en-US" sz="1200" dirty="0"/>
+                <a:t>Cosmos DB</a:t>
+              </a:r>
+            </a:p>
+          </p:txBody>
+        </p:sp>
+      </p:grpSp>
+      <p:grpSp>
+        <p:nvGrpSpPr>
+          <p:cNvPr id="154" name="Group 153">
+            <a:extLst>
+              <a:ext uri="{FF2B5EF4-FFF2-40B4-BE49-F238E27FC236}">
+                <a16:creationId xmlns:a16="http://schemas.microsoft.com/office/drawing/2014/main" id="{A1F26F75-10C3-4CD4-B54C-D8E7AF20CF85}"/>
+              </a:ext>
+            </a:extLst>
+          </p:cNvPr>
+          <p:cNvGrpSpPr/>
+          <p:nvPr/>
+        </p:nvGrpSpPr>
+        <p:grpSpPr>
+          <a:xfrm>
+            <a:off x="1715464" y="2707328"/>
+            <a:ext cx="1185196" cy="1019965"/>
+            <a:chOff x="6648772" y="3771078"/>
+            <a:chExt cx="1541849" cy="1383316"/>
+          </a:xfrm>
+        </p:grpSpPr>
+        <p:pic>
+          <p:nvPicPr>
+            <p:cNvPr id="155" name="Picture 154">
+              <a:extLst>
+                <a:ext uri="{FF2B5EF4-FFF2-40B4-BE49-F238E27FC236}">
+                  <a16:creationId xmlns:a16="http://schemas.microsoft.com/office/drawing/2014/main" id="{A306EEC0-9636-4029-8AEA-2922C9E35B7A}"/>
+                </a:ext>
+              </a:extLst>
+            </p:cNvPr>
+            <p:cNvPicPr>
+              <a:picLocks noChangeAspect="1"/>
+            </p:cNvPicPr>
+            <p:nvPr/>
+          </p:nvPicPr>
+          <p:blipFill>
+            <a:blip r:embed="rId11"/>
+            <a:stretch>
+              <a:fillRect/>
+            </a:stretch>
+          </p:blipFill>
+          <p:spPr>
+            <a:xfrm>
+              <a:off x="7007926" y="3771078"/>
+              <a:ext cx="738704" cy="737030"/>
+            </a:xfrm>
+            <a:prstGeom prst="rect">
+              <a:avLst/>
+            </a:prstGeom>
+          </p:spPr>
+        </p:pic>
+        <p:sp>
+          <p:nvSpPr>
+            <p:cNvPr id="162" name="TextBox 161">
+              <a:extLst>
+                <a:ext uri="{FF2B5EF4-FFF2-40B4-BE49-F238E27FC236}">
+                  <a16:creationId xmlns:a16="http://schemas.microsoft.com/office/drawing/2014/main" id="{F44AA0FA-D825-4C42-B6D2-B92F34BFE06A}"/>
+                </a:ext>
+              </a:extLst>
+            </p:cNvPr>
+            <p:cNvSpPr txBox="1"/>
+            <p:nvPr/>
+          </p:nvSpPr>
+          <p:spPr>
+            <a:xfrm>
+              <a:off x="6648772" y="4528266"/>
+              <a:ext cx="1541849" cy="626128"/>
+            </a:xfrm>
+            <a:prstGeom prst="rect">
+              <a:avLst/>
+            </a:prstGeom>
+            <a:noFill/>
+          </p:spPr>
+          <p:txBody>
+            <a:bodyPr wrap="none" rtlCol="0">
+              <a:spAutoFit/>
+            </a:bodyPr>
+            <a:lstStyle/>
+            <a:p>
+              <a:pPr algn="ctr"/>
+              <a:r>
+                <a:rPr lang="en-US" sz="1200" dirty="0"/>
+                <a:t>Initiate Raw </a:t>
+              </a:r>
+            </a:p>
+            <a:p>
+              <a:pPr algn="ctr"/>
+              <a:r>
+                <a:rPr lang="en-US" sz="1200" dirty="0"/>
+                <a:t>Data Population</a:t>
+              </a:r>
+            </a:p>
+          </p:txBody>
+        </p:sp>
+      </p:grpSp>
+      <p:cxnSp>
+        <p:nvCxnSpPr>
+          <p:cNvPr id="163" name="Straight Arrow Connector 162">
+            <a:extLst>
+              <a:ext uri="{FF2B5EF4-FFF2-40B4-BE49-F238E27FC236}">
+                <a16:creationId xmlns:a16="http://schemas.microsoft.com/office/drawing/2014/main" id="{D7DCC29D-CC27-42BA-8252-43C5DFFECFC9}"/>
+              </a:ext>
+            </a:extLst>
+          </p:cNvPr>
+          <p:cNvCxnSpPr/>
+          <p:nvPr/>
+        </p:nvCxnSpPr>
+        <p:spPr>
+          <a:xfrm>
+            <a:off x="2308423" y="3752092"/>
+            <a:ext cx="916" cy="434606"/>
+          </a:xfrm>
+          <a:prstGeom prst="straightConnector1">
+            <a:avLst/>
+          </a:prstGeom>
+          <a:ln w="22225">
+            <a:headEnd type="none" w="lg" len="lg"/>
+            <a:tailEnd type="triangle" w="lg" len="lg"/>
+          </a:ln>
+        </p:spPr>
+        <p:style>
+          <a:lnRef idx="3">
+            <a:schemeClr val="accent2"/>
+          </a:lnRef>
+          <a:fillRef idx="0">
+            <a:schemeClr val="accent2"/>
+          </a:fillRef>
+          <a:effectRef idx="2">
+            <a:schemeClr val="accent2"/>
+          </a:effectRef>
+          <a:fontRef idx="minor">
+            <a:schemeClr val="tx1"/>
+          </a:fontRef>
+        </p:style>
+      </p:cxnSp>
+      <p:cxnSp>
+        <p:nvCxnSpPr>
+          <p:cNvPr id="164" name="Straight Arrow Connector 163">
+            <a:extLst>
+              <a:ext uri="{FF2B5EF4-FFF2-40B4-BE49-F238E27FC236}">
+                <a16:creationId xmlns:a16="http://schemas.microsoft.com/office/drawing/2014/main" id="{F01D2D55-4384-47CE-A105-3BC2035D8BE6}"/>
+              </a:ext>
+            </a:extLst>
+          </p:cNvPr>
+          <p:cNvCxnSpPr>
+            <a:cxnSpLocks/>
+          </p:cNvCxnSpPr>
+          <p:nvPr/>
+        </p:nvCxnSpPr>
+        <p:spPr>
+          <a:xfrm flipH="1" flipV="1">
+            <a:off x="2257551" y="2255562"/>
+            <a:ext cx="11938" cy="478040"/>
+          </a:xfrm>
+          <a:prstGeom prst="straightConnector1">
+            <a:avLst/>
+          </a:prstGeom>
+          <a:ln w="22225">
+            <a:headEnd type="none" w="lg" len="lg"/>
+            <a:tailEnd type="triangle" w="lg" len="lg"/>
+          </a:ln>
+        </p:spPr>
+        <p:style>
+          <a:lnRef idx="3">
+            <a:schemeClr val="accent2"/>
+          </a:lnRef>
+          <a:fillRef idx="0">
+            <a:schemeClr val="accent2"/>
+          </a:fillRef>
+          <a:effectRef idx="2">
+            <a:schemeClr val="accent2"/>
+          </a:effectRef>
+          <a:fontRef idx="minor">
+            <a:schemeClr val="tx1"/>
+          </a:fontRef>
+        </p:style>
+      </p:cxnSp>
+      <p:cxnSp>
+        <p:nvCxnSpPr>
+          <p:cNvPr id="30" name="Straight Arrow Connector 29">
+            <a:extLst>
+              <a:ext uri="{FF2B5EF4-FFF2-40B4-BE49-F238E27FC236}">
+                <a16:creationId xmlns:a16="http://schemas.microsoft.com/office/drawing/2014/main" id="{A0A6D052-1FFD-4F96-9489-224D0CF2F963}"/>
+              </a:ext>
+            </a:extLst>
+          </p:cNvPr>
+          <p:cNvCxnSpPr>
+            <a:stCxn id="139" idx="3"/>
+            <a:endCxn id="134" idx="1"/>
+          </p:cNvCxnSpPr>
+          <p:nvPr/>
+        </p:nvCxnSpPr>
+        <p:spPr>
+          <a:xfrm flipV="1">
+            <a:off x="2547436" y="1493140"/>
+            <a:ext cx="1605677" cy="9213"/>
+          </a:xfrm>
+          <a:prstGeom prst="straightConnector1">
+            <a:avLst/>
+          </a:prstGeom>
+          <a:ln w="22225">
+            <a:headEnd type="none" w="lg" len="lg"/>
+            <a:tailEnd type="triangle" w="lg" len="lg"/>
+          </a:ln>
+        </p:spPr>
+        <p:style>
+          <a:lnRef idx="3">
+            <a:schemeClr val="accent2"/>
+          </a:lnRef>
+          <a:fillRef idx="0">
+            <a:schemeClr val="accent2"/>
+          </a:fillRef>
+          <a:effectRef idx="2">
+            <a:schemeClr val="accent2"/>
+          </a:effectRef>
+          <a:fontRef idx="minor">
+            <a:schemeClr val="tx1"/>
+          </a:fontRef>
+        </p:style>
+      </p:cxnSp>
+      <p:pic>
+        <p:nvPicPr>
+          <p:cNvPr id="166" name="Graphic 165">
+            <a:extLst>
+              <a:ext uri="{FF2B5EF4-FFF2-40B4-BE49-F238E27FC236}">
+                <a16:creationId xmlns:a16="http://schemas.microsoft.com/office/drawing/2014/main" id="{04BBEADE-EB4A-4F4E-85AD-1AD60FE58B9C}"/>
+              </a:ext>
+            </a:extLst>
+          </p:cNvPr>
+          <p:cNvPicPr>
+            <a:picLocks noChangeAspect="1"/>
+          </p:cNvPicPr>
+          <p:nvPr/>
+        </p:nvPicPr>
+        <p:blipFill>
+          <a:blip r:embed="rId29">
+            <a:extLst>
+              <a:ext uri="{96DAC541-7B7A-43D3-8B79-37D633B846F1}">
+                <asvg:svgBlip xmlns:asvg="http://schemas.microsoft.com/office/drawing/2016/SVG/main" r:embed="rId30"/>
+              </a:ext>
+            </a:extLst>
+          </a:blip>
+          <a:stretch>
+            <a:fillRect/>
+          </a:stretch>
+        </p:blipFill>
+        <p:spPr>
+          <a:xfrm>
+            <a:off x="3135782" y="4240364"/>
+            <a:ext cx="567830" cy="567830"/>
+          </a:xfrm>
+          <a:prstGeom prst="rect">
+            <a:avLst/>
+          </a:prstGeom>
+        </p:spPr>
+      </p:pic>
+      <p:pic>
+        <p:nvPicPr>
+          <p:cNvPr id="167" name="Graphic 166">
+            <a:extLst>
+              <a:ext uri="{FF2B5EF4-FFF2-40B4-BE49-F238E27FC236}">
+                <a16:creationId xmlns:a16="http://schemas.microsoft.com/office/drawing/2014/main" id="{F923D3B2-49F6-42D2-BA49-BD1EB1978FBF}"/>
+              </a:ext>
+            </a:extLst>
+          </p:cNvPr>
+          <p:cNvPicPr>
+            <a:picLocks noChangeAspect="1"/>
+          </p:cNvPicPr>
+          <p:nvPr/>
+        </p:nvPicPr>
+        <p:blipFill>
+          <a:blip r:embed="rId31">
+            <a:extLst>
+              <a:ext uri="{96DAC541-7B7A-43D3-8B79-37D633B846F1}">
+                <asvg:svgBlip xmlns:asvg="http://schemas.microsoft.com/office/drawing/2016/SVG/main" r:embed="rId32"/>
+              </a:ext>
+            </a:extLst>
+          </a:blip>
+          <a:stretch>
+            <a:fillRect/>
+          </a:stretch>
+        </p:blipFill>
+        <p:spPr>
+          <a:xfrm>
+            <a:off x="4175732" y="4228588"/>
+            <a:ext cx="567830" cy="567830"/>
+          </a:xfrm>
+          <a:prstGeom prst="rect">
+            <a:avLst/>
+          </a:prstGeom>
+        </p:spPr>
+      </p:pic>
+      <p:cxnSp>
+        <p:nvCxnSpPr>
+          <p:cNvPr id="182" name="Straight Arrow Connector 181">
+            <a:extLst>
+              <a:ext uri="{FF2B5EF4-FFF2-40B4-BE49-F238E27FC236}">
+                <a16:creationId xmlns:a16="http://schemas.microsoft.com/office/drawing/2014/main" id="{164B0AD8-FF8E-4DAC-A32D-5B457ACBF3CC}"/>
+              </a:ext>
+            </a:extLst>
+          </p:cNvPr>
+          <p:cNvCxnSpPr>
+            <a:cxnSpLocks/>
+          </p:cNvCxnSpPr>
+          <p:nvPr/>
+        </p:nvCxnSpPr>
+        <p:spPr>
+          <a:xfrm flipH="1" flipV="1">
+            <a:off x="4447432" y="2236729"/>
+            <a:ext cx="11938" cy="478040"/>
+          </a:xfrm>
+          <a:prstGeom prst="straightConnector1">
+            <a:avLst/>
+          </a:prstGeom>
+          <a:ln w="22225">
+            <a:headEnd type="none" w="lg" len="lg"/>
+            <a:tailEnd type="triangle" w="lg" len="lg"/>
+          </a:ln>
+        </p:spPr>
+        <p:style>
+          <a:lnRef idx="3">
+            <a:schemeClr val="accent2"/>
+          </a:lnRef>
+          <a:fillRef idx="0">
+            <a:schemeClr val="accent2"/>
+          </a:fillRef>
+          <a:effectRef idx="2">
+            <a:schemeClr val="accent2"/>
+          </a:effectRef>
+          <a:fontRef idx="minor">
+            <a:schemeClr val="tx1"/>
+          </a:fontRef>
+        </p:style>
+      </p:cxnSp>
+      <p:cxnSp>
+        <p:nvCxnSpPr>
+          <p:cNvPr id="34" name="Connector: Elbow 33">
+            <a:extLst>
+              <a:ext uri="{FF2B5EF4-FFF2-40B4-BE49-F238E27FC236}">
+                <a16:creationId xmlns:a16="http://schemas.microsoft.com/office/drawing/2014/main" id="{360EF28F-BD0B-4BBB-AE22-65B43D85FA95}"/>
+              </a:ext>
+            </a:extLst>
+          </p:cNvPr>
+          <p:cNvCxnSpPr>
+            <a:endCxn id="130" idx="1"/>
+          </p:cNvCxnSpPr>
+          <p:nvPr/>
+        </p:nvCxnSpPr>
+        <p:spPr>
+          <a:xfrm rot="16200000" flipH="1">
+            <a:off x="3024037" y="1803809"/>
+            <a:ext cx="1455212" cy="833871"/>
+          </a:xfrm>
+          <a:prstGeom prst="bentConnector2">
+            <a:avLst/>
+          </a:prstGeom>
+          <a:ln w="22225">
+            <a:headEnd type="none" w="lg" len="lg"/>
+            <a:tailEnd type="triangle" w="lg" len="lg"/>
+          </a:ln>
+        </p:spPr>
+        <p:style>
+          <a:lnRef idx="3">
+            <a:schemeClr val="accent2"/>
+          </a:lnRef>
+          <a:fillRef idx="0">
+            <a:schemeClr val="accent2"/>
+          </a:fillRef>
+          <a:effectRef idx="2">
+            <a:schemeClr val="accent2"/>
+          </a:effectRef>
+          <a:fontRef idx="minor">
+            <a:schemeClr val="tx1"/>
+          </a:fontRef>
+        </p:style>
+      </p:cxnSp>
+      <p:cxnSp>
+        <p:nvCxnSpPr>
+          <p:cNvPr id="37" name="Straight Arrow Connector 36">
+            <a:extLst>
+              <a:ext uri="{FF2B5EF4-FFF2-40B4-BE49-F238E27FC236}">
+                <a16:creationId xmlns:a16="http://schemas.microsoft.com/office/drawing/2014/main" id="{F3162508-8FD7-44A8-96E1-97A634B04B78}"/>
+              </a:ext>
+            </a:extLst>
+          </p:cNvPr>
+          <p:cNvCxnSpPr>
+            <a:cxnSpLocks/>
+            <a:stCxn id="167" idx="0"/>
+            <a:endCxn id="131" idx="2"/>
+          </p:cNvCxnSpPr>
+          <p:nvPr/>
+        </p:nvCxnSpPr>
+        <p:spPr>
+          <a:xfrm flipH="1" flipV="1">
+            <a:off x="4451757" y="3701309"/>
+            <a:ext cx="7890" cy="527279"/>
+          </a:xfrm>
+          <a:prstGeom prst="straightConnector1">
+            <a:avLst/>
+          </a:prstGeom>
+          <a:ln w="22225">
+            <a:headEnd type="none" w="lg" len="lg"/>
+            <a:tailEnd type="triangle" w="lg" len="lg"/>
+          </a:ln>
+        </p:spPr>
+        <p:style>
+          <a:lnRef idx="3">
+            <a:schemeClr val="accent2"/>
+          </a:lnRef>
+          <a:fillRef idx="0">
+            <a:schemeClr val="accent2"/>
+          </a:fillRef>
+          <a:effectRef idx="2">
+            <a:schemeClr val="accent2"/>
+          </a:effectRef>
+          <a:fontRef idx="minor">
+            <a:schemeClr val="tx1"/>
+          </a:fontRef>
+        </p:style>
+      </p:cxnSp>
+      <p:cxnSp>
+        <p:nvCxnSpPr>
+          <p:cNvPr id="43" name="Straight Arrow Connector 42">
+            <a:extLst>
+              <a:ext uri="{FF2B5EF4-FFF2-40B4-BE49-F238E27FC236}">
+                <a16:creationId xmlns:a16="http://schemas.microsoft.com/office/drawing/2014/main" id="{86705A7A-10C8-4789-B7B0-C9AECABFB8BF}"/>
+              </a:ext>
+            </a:extLst>
+          </p:cNvPr>
+          <p:cNvCxnSpPr>
+            <a:stCxn id="166" idx="3"/>
+            <a:endCxn id="167" idx="1"/>
+          </p:cNvCxnSpPr>
+          <p:nvPr/>
+        </p:nvCxnSpPr>
+        <p:spPr>
+          <a:xfrm flipV="1">
+            <a:off x="3703612" y="4512503"/>
+            <a:ext cx="472120" cy="11776"/>
+          </a:xfrm>
+          <a:prstGeom prst="straightConnector1">
+            <a:avLst/>
+          </a:prstGeom>
+          <a:ln w="22225">
+            <a:headEnd type="none" w="lg" len="lg"/>
+            <a:tailEnd type="triangle" w="lg" len="lg"/>
+          </a:ln>
+        </p:spPr>
+        <p:style>
+          <a:lnRef idx="3">
+            <a:schemeClr val="accent2"/>
+          </a:lnRef>
+          <a:fillRef idx="0">
+            <a:schemeClr val="accent2"/>
+          </a:fillRef>
+          <a:effectRef idx="2">
+            <a:schemeClr val="accent2"/>
+          </a:effectRef>
+          <a:fontRef idx="minor">
+            <a:schemeClr val="tx1"/>
+          </a:fontRef>
+        </p:style>
+      </p:cxnSp>
+      <p:cxnSp>
+        <p:nvCxnSpPr>
+          <p:cNvPr id="47" name="Straight Arrow Connector 46">
+            <a:extLst>
+              <a:ext uri="{FF2B5EF4-FFF2-40B4-BE49-F238E27FC236}">
+                <a16:creationId xmlns:a16="http://schemas.microsoft.com/office/drawing/2014/main" id="{0135987C-7E27-4942-B2F3-23F8F333DAB9}"/>
+              </a:ext>
+            </a:extLst>
+          </p:cNvPr>
+          <p:cNvCxnSpPr>
+            <a:stCxn id="118" idx="3"/>
+            <a:endCxn id="166" idx="1"/>
+          </p:cNvCxnSpPr>
+          <p:nvPr/>
+        </p:nvCxnSpPr>
+        <p:spPr>
+          <a:xfrm>
+            <a:off x="2581054" y="4517177"/>
+            <a:ext cx="554728" cy="7102"/>
+          </a:xfrm>
+          <a:prstGeom prst="straightConnector1">
+            <a:avLst/>
+          </a:prstGeom>
+          <a:ln w="22225">
+            <a:headEnd type="none" w="lg" len="lg"/>
+            <a:tailEnd type="triangle" w="lg" len="lg"/>
+          </a:ln>
+        </p:spPr>
+        <p:style>
+          <a:lnRef idx="3">
+            <a:schemeClr val="accent2"/>
+          </a:lnRef>
+          <a:fillRef idx="0">
+            <a:schemeClr val="accent2"/>
+          </a:fillRef>
+          <a:effectRef idx="2">
+            <a:schemeClr val="accent2"/>
+          </a:effectRef>
+          <a:fontRef idx="minor">
+            <a:schemeClr val="tx1"/>
+          </a:fontRef>
+        </p:style>
+      </p:cxnSp>
+      <p:sp>
+        <p:nvSpPr>
+          <p:cNvPr id="183" name="TextBox 182">
+            <a:extLst>
+              <a:ext uri="{FF2B5EF4-FFF2-40B4-BE49-F238E27FC236}">
+                <a16:creationId xmlns:a16="http://schemas.microsoft.com/office/drawing/2014/main" id="{7D339262-82DC-4455-952D-7AB8E52C01B1}"/>
+              </a:ext>
+            </a:extLst>
+          </p:cNvPr>
+          <p:cNvSpPr txBox="1"/>
+          <p:nvPr/>
+        </p:nvSpPr>
+        <p:spPr>
+          <a:xfrm>
+            <a:off x="3218732" y="4829609"/>
+            <a:ext cx="1331967" cy="461665"/>
+          </a:xfrm>
+          <a:prstGeom prst="rect">
+            <a:avLst/>
+          </a:prstGeom>
+          <a:noFill/>
+        </p:spPr>
+        <p:txBody>
+          <a:bodyPr wrap="none" rtlCol="0">
+            <a:spAutoFit/>
+          </a:bodyPr>
+          <a:lstStyle/>
+          <a:p>
+            <a:pPr algn="ctr"/>
+            <a:r>
+              <a:rPr lang="en-US" sz="1200" dirty="0"/>
+              <a:t>Kinesis Streams &amp; </a:t>
+            </a:r>
+          </a:p>
+          <a:p>
+            <a:pPr algn="ctr"/>
+            <a:r>
+              <a:rPr lang="en-US" sz="1200" dirty="0"/>
+              <a:t>Fire Hose</a:t>
+            </a:r>
+          </a:p>
+        </p:txBody>
+      </p:sp>
+      <p:cxnSp>
+        <p:nvCxnSpPr>
+          <p:cNvPr id="59" name="Connector: Elbow 58">
+            <a:extLst>
+              <a:ext uri="{FF2B5EF4-FFF2-40B4-BE49-F238E27FC236}">
+                <a16:creationId xmlns:a16="http://schemas.microsoft.com/office/drawing/2014/main" id="{3034D496-F19F-41E3-AAEF-515DA66EE40F}"/>
+              </a:ext>
+            </a:extLst>
+          </p:cNvPr>
+          <p:cNvCxnSpPr>
+            <a:cxnSpLocks/>
+            <a:endCxn id="180" idx="1"/>
+          </p:cNvCxnSpPr>
+          <p:nvPr/>
+        </p:nvCxnSpPr>
+        <p:spPr>
+          <a:xfrm rot="5400000" flipH="1" flipV="1">
+            <a:off x="9173482" y="2765280"/>
+            <a:ext cx="901030" cy="733032"/>
+          </a:xfrm>
+          <a:prstGeom prst="bentConnector2">
+            <a:avLst/>
+          </a:prstGeom>
+          <a:ln w="22225">
+            <a:solidFill>
+              <a:srgbClr val="7030A0"/>
+            </a:solidFill>
+            <a:headEnd type="none" w="lg" len="lg"/>
+            <a:tailEnd type="triangle" w="lg" len="lg"/>
+          </a:ln>
+        </p:spPr>
+        <p:style>
+          <a:lnRef idx="3">
+            <a:schemeClr val="accent2"/>
+          </a:lnRef>
+          <a:fillRef idx="0">
+            <a:schemeClr val="accent2"/>
+          </a:fillRef>
+          <a:effectRef idx="2">
+            <a:schemeClr val="accent2"/>
+          </a:effectRef>
+          <a:fontRef idx="minor">
+            <a:schemeClr val="tx1"/>
+          </a:fontRef>
+        </p:style>
+      </p:cxnSp>
+      <p:sp>
+        <p:nvSpPr>
+          <p:cNvPr id="61" name="Rectangle 60">
+            <a:extLst>
+              <a:ext uri="{FF2B5EF4-FFF2-40B4-BE49-F238E27FC236}">
+                <a16:creationId xmlns:a16="http://schemas.microsoft.com/office/drawing/2014/main" id="{64163C94-7452-44CB-BB06-0C493CF68840}"/>
+              </a:ext>
+            </a:extLst>
+          </p:cNvPr>
+          <p:cNvSpPr/>
+          <p:nvPr/>
+        </p:nvSpPr>
+        <p:spPr>
+          <a:xfrm>
+            <a:off x="8810793" y="3582311"/>
+            <a:ext cx="925211" cy="394985"/>
+          </a:xfrm>
+          <a:prstGeom prst="rect">
+            <a:avLst/>
+          </a:prstGeom>
+          <a:solidFill>
+            <a:schemeClr val="bg1"/>
+          </a:solidFill>
+        </p:spPr>
+        <p:style>
+          <a:lnRef idx="2">
+            <a:schemeClr val="accent1">
+              <a:shade val="50000"/>
+            </a:schemeClr>
+          </a:lnRef>
+          <a:fillRef idx="1">
+            <a:schemeClr val="accent1"/>
+          </a:fillRef>
+          <a:effectRef idx="0">
+            <a:schemeClr val="accent1"/>
+          </a:effectRef>
+          <a:fontRef idx="minor">
+            <a:schemeClr val="lt1"/>
+          </a:fontRef>
+        </p:style>
+        <p:txBody>
+          <a:bodyPr rtlCol="0" anchor="ctr"/>
+          <a:lstStyle/>
+          <a:p>
+            <a:pPr algn="ctr"/>
+            <a:r>
+              <a:rPr lang="en-US" sz="1100" b="1" dirty="0">
+                <a:solidFill>
+                  <a:schemeClr val="tx1"/>
+                </a:solidFill>
+              </a:rPr>
+              <a:t>On Premise</a:t>
+            </a:r>
+          </a:p>
+          <a:p>
+            <a:pPr algn="ctr"/>
+            <a:r>
+              <a:rPr lang="en-US" sz="1100" b="1" dirty="0">
+                <a:solidFill>
+                  <a:schemeClr val="tx1"/>
+                </a:solidFill>
+              </a:rPr>
+              <a:t>DBs (JDBC)</a:t>
+            </a:r>
+          </a:p>
+        </p:txBody>
+      </p:sp>
+      <p:cxnSp>
+        <p:nvCxnSpPr>
+          <p:cNvPr id="64" name="Straight Arrow Connector 63">
+            <a:extLst>
+              <a:ext uri="{FF2B5EF4-FFF2-40B4-BE49-F238E27FC236}">
+                <a16:creationId xmlns:a16="http://schemas.microsoft.com/office/drawing/2014/main" id="{9CCE067A-6154-4CF5-9D0F-D89DB2FE4FBF}"/>
+              </a:ext>
+            </a:extLst>
+          </p:cNvPr>
+          <p:cNvCxnSpPr/>
+          <p:nvPr/>
+        </p:nvCxnSpPr>
+        <p:spPr>
+          <a:xfrm>
+            <a:off x="1446675" y="2639965"/>
+            <a:ext cx="238256" cy="0"/>
+          </a:xfrm>
+          <a:prstGeom prst="straightConnector1">
+            <a:avLst/>
+          </a:prstGeom>
+          <a:ln w="22225">
+            <a:solidFill>
+              <a:srgbClr val="7030A0"/>
+            </a:solidFill>
+            <a:headEnd type="none" w="lg" len="lg"/>
+            <a:tailEnd type="triangle" w="lg" len="lg"/>
+          </a:ln>
+        </p:spPr>
+        <p:style>
+          <a:lnRef idx="3">
+            <a:schemeClr val="accent2"/>
+          </a:lnRef>
+          <a:fillRef idx="0">
+            <a:schemeClr val="accent2"/>
+          </a:fillRef>
+          <a:effectRef idx="2">
+            <a:schemeClr val="accent2"/>
+          </a:effectRef>
+          <a:fontRef idx="minor">
+            <a:schemeClr val="tx1"/>
+          </a:fontRef>
+        </p:style>
+      </p:cxnSp>
+      <p:cxnSp>
+        <p:nvCxnSpPr>
+          <p:cNvPr id="184" name="Straight Arrow Connector 183">
+            <a:extLst>
+              <a:ext uri="{FF2B5EF4-FFF2-40B4-BE49-F238E27FC236}">
+                <a16:creationId xmlns:a16="http://schemas.microsoft.com/office/drawing/2014/main" id="{53789502-0CFF-4A26-B8AC-93FBE508D42F}"/>
+              </a:ext>
+            </a:extLst>
+          </p:cNvPr>
+          <p:cNvCxnSpPr/>
+          <p:nvPr/>
+        </p:nvCxnSpPr>
+        <p:spPr>
+          <a:xfrm>
+            <a:off x="1446675" y="1485153"/>
+            <a:ext cx="238256" cy="0"/>
+          </a:xfrm>
+          <a:prstGeom prst="straightConnector1">
+            <a:avLst/>
+          </a:prstGeom>
+          <a:ln w="22225">
+            <a:solidFill>
+              <a:srgbClr val="7030A0"/>
+            </a:solidFill>
+            <a:headEnd type="none" w="lg" len="lg"/>
+            <a:tailEnd type="triangle" w="lg" len="lg"/>
+          </a:ln>
+        </p:spPr>
+        <p:style>
+          <a:lnRef idx="3">
+            <a:schemeClr val="accent2"/>
+          </a:lnRef>
+          <a:fillRef idx="0">
+            <a:schemeClr val="accent2"/>
+          </a:fillRef>
+          <a:effectRef idx="2">
+            <a:schemeClr val="accent2"/>
+          </a:effectRef>
+          <a:fontRef idx="minor">
+            <a:schemeClr val="tx1"/>
+          </a:fontRef>
+        </p:style>
+      </p:cxnSp>
+      <p:cxnSp>
+        <p:nvCxnSpPr>
+          <p:cNvPr id="186" name="Straight Arrow Connector 185">
+            <a:extLst>
+              <a:ext uri="{FF2B5EF4-FFF2-40B4-BE49-F238E27FC236}">
+                <a16:creationId xmlns:a16="http://schemas.microsoft.com/office/drawing/2014/main" id="{5BAB8D8D-B35D-4219-84C4-4482484A4243}"/>
+              </a:ext>
+            </a:extLst>
+          </p:cNvPr>
+          <p:cNvCxnSpPr/>
+          <p:nvPr/>
+        </p:nvCxnSpPr>
+        <p:spPr>
+          <a:xfrm>
+            <a:off x="1446675" y="3692941"/>
+            <a:ext cx="238256" cy="0"/>
+          </a:xfrm>
+          <a:prstGeom prst="straightConnector1">
+            <a:avLst/>
+          </a:prstGeom>
+          <a:ln w="22225">
+            <a:solidFill>
+              <a:srgbClr val="7030A0"/>
+            </a:solidFill>
+            <a:headEnd type="none" w="lg" len="lg"/>
+            <a:tailEnd type="triangle" w="lg" len="lg"/>
+          </a:ln>
+        </p:spPr>
+        <p:style>
+          <a:lnRef idx="3">
+            <a:schemeClr val="accent2"/>
+          </a:lnRef>
+          <a:fillRef idx="0">
+            <a:schemeClr val="accent2"/>
+          </a:fillRef>
+          <a:effectRef idx="2">
+            <a:schemeClr val="accent2"/>
+          </a:effectRef>
+          <a:fontRef idx="minor">
+            <a:schemeClr val="tx1"/>
+          </a:fontRef>
+        </p:style>
+      </p:cxnSp>
+      <p:cxnSp>
+        <p:nvCxnSpPr>
+          <p:cNvPr id="187" name="Straight Arrow Connector 186">
+            <a:extLst>
+              <a:ext uri="{FF2B5EF4-FFF2-40B4-BE49-F238E27FC236}">
+                <a16:creationId xmlns:a16="http://schemas.microsoft.com/office/drawing/2014/main" id="{F77F8D8C-A079-40D1-97FD-A9F078496256}"/>
+              </a:ext>
+            </a:extLst>
+          </p:cNvPr>
+          <p:cNvCxnSpPr/>
+          <p:nvPr/>
+        </p:nvCxnSpPr>
+        <p:spPr>
+          <a:xfrm>
+            <a:off x="1446675" y="4850199"/>
+            <a:ext cx="238256" cy="0"/>
+          </a:xfrm>
+          <a:prstGeom prst="straightConnector1">
+            <a:avLst/>
+          </a:prstGeom>
+          <a:ln w="22225">
+            <a:solidFill>
+              <a:srgbClr val="7030A0"/>
+            </a:solidFill>
+            <a:headEnd type="none" w="lg" len="lg"/>
+            <a:tailEnd type="triangle" w="lg" len="lg"/>
+          </a:ln>
+        </p:spPr>
+        <p:style>
+          <a:lnRef idx="3">
+            <a:schemeClr val="accent2"/>
+          </a:lnRef>
+          <a:fillRef idx="0">
+            <a:schemeClr val="accent2"/>
+          </a:fillRef>
+          <a:effectRef idx="2">
+            <a:schemeClr val="accent2"/>
+          </a:effectRef>
+          <a:fontRef idx="minor">
+            <a:schemeClr val="tx1"/>
+          </a:fontRef>
+        </p:style>
+      </p:cxnSp>
     </p:spTree>
     <p:extLst>
       <p:ext uri="{BB962C8B-B14F-4D97-AF65-F5344CB8AC3E}">
@@ -6979,7 +8092,7 @@
 </p:sld>
 </file>
 
-<file path=ppt/slides/slide2.xml><?xml version="1.0" encoding="utf-8"?>
+<file path=ppt/slides/slide3.xml><?xml version="1.0" encoding="utf-8"?>
 <p:sld xmlns:a="http://schemas.openxmlformats.org/drawingml/2006/main" xmlns:r="http://schemas.openxmlformats.org/officeDocument/2006/relationships" xmlns:p="http://schemas.openxmlformats.org/presentationml/2006/main">
   <p:cSld>
     <p:spTree>
